--- a/Campus Contest 2.pptx
+++ b/Campus Contest 2.pptx
@@ -6430,8 +6430,13 @@
           <a:p>
             <a:r>
               <a:rPr lang="fr-FR" dirty="0"/>
-              <a:t>Pour la création du</a:t>
-            </a:r>
+              <a:t>Pour la création du site nous sommes partis d’une Template simple nommé </a:t>
+            </a:r>
+            <a:r>
+              <a:rPr lang="fr-FR" dirty="0" err="1"/>
+              <a:t>NGuyen</a:t>
+            </a:r>
+            <a:endParaRPr lang="fr-FR" dirty="0"/>
           </a:p>
         </p:txBody>
       </p:sp>

--- a/Campus Contest 2.pptx
+++ b/Campus Contest 2.pptx
@@ -6430,13 +6430,8 @@
           <a:p>
             <a:r>
               <a:rPr lang="fr-FR" dirty="0"/>
-              <a:t>Pour la création du site nous sommes partis d’une Template simple nommé </a:t>
-            </a:r>
-            <a:r>
-              <a:rPr lang="fr-FR" dirty="0" err="1"/>
-              <a:t>NGuyen</a:t>
-            </a:r>
-            <a:endParaRPr lang="fr-FR" dirty="0"/>
+              <a:t>Pour la création du site nous sommes partis d’une Template simple nommé Nguyen.  A partir de celle-ci nous avons intégrer notre</a:t>
+            </a:r>
           </a:p>
         </p:txBody>
       </p:sp>
@@ -6524,7 +6519,7 @@
           <a:bodyPr/>
           <a:lstStyle/>
           <a:p>
-            <a:endParaRPr lang="fr-FR"/>
+            <a:endParaRPr lang="fr-FR" dirty="0"/>
           </a:p>
         </p:txBody>
       </p:sp>
@@ -6614,7 +6609,7 @@
           <a:bodyPr/>
           <a:lstStyle/>
           <a:p>
-            <a:endParaRPr lang="fr-FR"/>
+            <a:endParaRPr lang="fr-FR" dirty="0"/>
           </a:p>
         </p:txBody>
       </p:sp>

--- a/Campus Contest 2.pptx
+++ b/Campus Contest 2.pptx
@@ -302,7 +302,7 @@
           <a:p>
             <a:fld id="{88D38747-4367-4BD2-8D51-C97E202738E2}" type="datetime1">
               <a:rPr lang="en-US" smtClean="0"/>
-              <a:t>2/17/2020</a:t>
+              <a:t>2/18/2020</a:t>
             </a:fld>
             <a:endParaRPr lang="en-US" dirty="0"/>
           </a:p>
@@ -607,7 +607,7 @@
           <a:p>
             <a:fld id="{11F1B079-7EF0-44EE-B798-BCC497C9F3B2}" type="datetime1">
               <a:rPr lang="en-US" smtClean="0"/>
-              <a:t>2/17/2020</a:t>
+              <a:t>2/18/2020</a:t>
             </a:fld>
             <a:endParaRPr lang="en-US" dirty="0"/>
           </a:p>
@@ -801,7 +801,7 @@
           <a:p>
             <a:fld id="{28FF70A8-1D13-4657-95F0-A9EA54967B8D}" type="datetime1">
               <a:rPr lang="en-US" smtClean="0"/>
-              <a:t>2/17/2020</a:t>
+              <a:t>2/18/2020</a:t>
             </a:fld>
             <a:endParaRPr lang="en-US" dirty="0"/>
           </a:p>
@@ -1064,7 +1064,7 @@
           <a:p>
             <a:fld id="{21EB90AC-71BD-4C7F-8ACA-7B3F18292E63}" type="datetime1">
               <a:rPr lang="en-US" smtClean="0"/>
-              <a:t>2/17/2020</a:t>
+              <a:t>2/18/2020</a:t>
             </a:fld>
             <a:endParaRPr lang="en-US" dirty="0"/>
           </a:p>
@@ -1500,7 +1500,7 @@
           <a:p>
             <a:fld id="{4E6EFC2C-8905-46F0-B443-CE905B76BA01}" type="datetime1">
               <a:rPr lang="en-US" smtClean="0"/>
-              <a:t>2/17/2020</a:t>
+              <a:t>2/18/2020</a:t>
             </a:fld>
             <a:endParaRPr lang="en-US" dirty="0"/>
           </a:p>
@@ -2037,7 +2037,7 @@
           <a:p>
             <a:fld id="{D9079DC3-C9B5-499E-9140-0DC28B7074E2}" type="datetime1">
               <a:rPr lang="en-US" smtClean="0"/>
-              <a:t>2/17/2020</a:t>
+              <a:t>2/18/2020</a:t>
             </a:fld>
             <a:endParaRPr lang="en-US" dirty="0"/>
           </a:p>
@@ -2919,7 +2919,7 @@
           <a:p>
             <a:fld id="{30BB33EA-E472-4D22-9C03-A9C14AA21CED}" type="datetime1">
               <a:rPr lang="en-US" smtClean="0"/>
-              <a:t>2/17/2020</a:t>
+              <a:t>2/18/2020</a:t>
             </a:fld>
             <a:endParaRPr lang="en-US" dirty="0"/>
           </a:p>
@@ -3089,7 +3089,7 @@
           <a:p>
             <a:fld id="{217E833E-1B6D-415F-AD29-75AE8C43BD0D}" type="datetime1">
               <a:rPr lang="en-US" smtClean="0"/>
-              <a:t>2/17/2020</a:t>
+              <a:t>2/18/2020</a:t>
             </a:fld>
             <a:endParaRPr lang="en-US" dirty="0"/>
           </a:p>
@@ -3273,7 +3273,7 @@
           <a:p>
             <a:fld id="{8452596F-08A7-4B70-989A-F2B1CF31E66B}" type="datetime1">
               <a:rPr lang="en-US" smtClean="0"/>
-              <a:t>2/17/2020</a:t>
+              <a:t>2/18/2020</a:t>
             </a:fld>
             <a:endParaRPr lang="en-US" dirty="0"/>
           </a:p>
@@ -3443,7 +3443,7 @@
           <a:p>
             <a:fld id="{73C55A3C-5767-4844-A0A3-83778C2E5409}" type="datetime1">
               <a:rPr lang="en-US" smtClean="0"/>
-              <a:t>2/17/2020</a:t>
+              <a:t>2/18/2020</a:t>
             </a:fld>
             <a:endParaRPr lang="en-US" dirty="0"/>
           </a:p>
@@ -3687,7 +3687,7 @@
           <a:p>
             <a:fld id="{CAE507A8-A5CF-4D38-AB86-7EDDA87A85D4}" type="datetime1">
               <a:rPr lang="en-US" smtClean="0"/>
-              <a:t>2/17/2020</a:t>
+              <a:t>2/18/2020</a:t>
             </a:fld>
             <a:endParaRPr lang="en-US" dirty="0"/>
           </a:p>
@@ -3929,7 +3929,7 @@
           <a:p>
             <a:fld id="{BDFCD27C-8599-43EF-BA1D-14DDC1946E06}" type="datetime1">
               <a:rPr lang="en-US" smtClean="0"/>
-              <a:t>2/17/2020</a:t>
+              <a:t>2/18/2020</a:t>
             </a:fld>
             <a:endParaRPr lang="en-US" dirty="0"/>
           </a:p>
@@ -4410,7 +4410,7 @@
           <a:p>
             <a:fld id="{49343D99-809A-49C0-96E5-4250D0B498EE}" type="datetime1">
               <a:rPr lang="en-US" smtClean="0"/>
-              <a:t>2/17/2020</a:t>
+              <a:t>2/18/2020</a:t>
             </a:fld>
             <a:endParaRPr lang="en-US" dirty="0"/>
           </a:p>
@@ -4528,7 +4528,7 @@
           <a:p>
             <a:fld id="{A143DE9B-B678-4EFB-BB7D-A4370204A0B0}" type="datetime1">
               <a:rPr lang="en-US" smtClean="0"/>
-              <a:t>2/17/2020</a:t>
+              <a:t>2/18/2020</a:t>
             </a:fld>
             <a:endParaRPr lang="en-US" dirty="0"/>
           </a:p>
@@ -4623,7 +4623,7 @@
           <a:p>
             <a:fld id="{E68812DA-F765-4142-A6A3-A8ED7235E082}" type="datetime1">
               <a:rPr lang="en-US" smtClean="0"/>
-              <a:t>2/17/2020</a:t>
+              <a:t>2/18/2020</a:t>
             </a:fld>
             <a:endParaRPr lang="en-US" dirty="0"/>
           </a:p>
@@ -4878,7 +4878,7 @@
           <a:p>
             <a:fld id="{3E0277FD-7DE6-41D4-930D-AC99F5AFE54E}" type="datetime1">
               <a:rPr lang="en-US" smtClean="0"/>
-              <a:t>2/17/2020</a:t>
+              <a:t>2/18/2020</a:t>
             </a:fld>
             <a:endParaRPr lang="en-US" dirty="0"/>
           </a:p>
@@ -5185,7 +5185,7 @@
           <a:p>
             <a:fld id="{9EA15526-7079-4B7B-987C-1B5FAE11A0FF}" type="datetime1">
               <a:rPr lang="en-US" smtClean="0"/>
-              <a:t>2/17/2020</a:t>
+              <a:t>2/18/2020</a:t>
             </a:fld>
             <a:endParaRPr lang="en-US" dirty="0"/>
           </a:p>
@@ -5420,7 +5420,7 @@
           <a:p>
             <a:fld id="{073ED0CC-082F-4160-86E5-0D6041F12778}" type="datetime1">
               <a:rPr lang="en-US" smtClean="0"/>
-              <a:t>2/17/2020</a:t>
+              <a:t>2/18/2020</a:t>
             </a:fld>
             <a:endParaRPr lang="en-US" dirty="0"/>
           </a:p>
@@ -6430,7 +6430,7 @@
           <a:p>
             <a:r>
               <a:rPr lang="fr-FR" dirty="0"/>
-              <a:t>Pour la création du site nous sommes partis d’une Template simple nommé Nguyen.  A partir de celle-ci nous avons intégrer notre</a:t>
+              <a:t>Pour la création du site nous sommes partis d’une Template simple nommé Nguyen.  A partir de celle-ci nous avons intégrés </a:t>
             </a:r>
           </a:p>
         </p:txBody>
@@ -6519,7 +6519,49 @@
           <a:bodyPr/>
           <a:lstStyle/>
           <a:p>
-            <a:endParaRPr lang="fr-FR" dirty="0"/>
+            <a:pPr marL="36900" indent="0">
+              <a:buNone/>
+            </a:pPr>
+            <a:r>
+              <a:rPr lang="fr-FR" dirty="0"/>
+              <a:t>A l’aide de PHPMyAdmin, nous avons créer notre base de données SQL pour la gestion du site web. </a:t>
+            </a:r>
+          </a:p>
+          <a:p>
+            <a:pPr marL="36900" indent="0">
+              <a:buNone/>
+            </a:pPr>
+            <a:r>
+              <a:rPr lang="fr-FR" dirty="0"/>
+              <a:t>Cette base de données permet de :</a:t>
+            </a:r>
+          </a:p>
+          <a:p>
+            <a:pPr marL="36900" indent="0">
+              <a:buNone/>
+            </a:pPr>
+            <a:r>
+              <a:rPr lang="fr-FR" dirty="0"/>
+              <a:t>	- Gérer les utilisateurs présents sur le site</a:t>
+            </a:r>
+          </a:p>
+          <a:p>
+            <a:pPr marL="36900" indent="0">
+              <a:buNone/>
+            </a:pPr>
+            <a:r>
+              <a:rPr lang="fr-FR" dirty="0"/>
+              <a:t>	- Gérer les locations des livres et de mettre en avant les livres non loués</a:t>
+            </a:r>
+          </a:p>
+          <a:p>
+            <a:pPr marL="36900" indent="0">
+              <a:buNone/>
+            </a:pPr>
+            <a:r>
+              <a:rPr lang="fr-FR" dirty="0"/>
+              <a:t>	- Mise en avant des nouveautés </a:t>
+            </a:r>
           </a:p>
         </p:txBody>
       </p:sp>
@@ -6609,7 +6651,16 @@
           <a:bodyPr/>
           <a:lstStyle/>
           <a:p>
-            <a:endParaRPr lang="fr-FR" dirty="0"/>
+            <a:r>
+              <a:rPr lang="fr-FR" dirty="0"/>
+              <a:t>Nous avons créé un panel de connexion pour les clients et les administrateurs. Dans ce panel nous avons la possibilité après inscription d’accéder a la bibliothèque pour gérer nos locations.</a:t>
+            </a:r>
+          </a:p>
+          <a:p>
+            <a:r>
+              <a:rPr lang="fr-FR" dirty="0"/>
+              <a:t>Ce panel de connexion permet aussi de pouvoir déterminé les plus gros lecteurs grâce à un historique des livres loués.</a:t>
+            </a:r>
           </a:p>
         </p:txBody>
       </p:sp>
@@ -6697,7 +6748,20 @@
           <a:bodyPr/>
           <a:lstStyle/>
           <a:p>
-            <a:endParaRPr lang="fr-FR"/>
+            <a:r>
+              <a:rPr lang="fr-FR" dirty="0"/>
+              <a:t>Les livres sont classés par genre, et par numéro d’identification. Cela permet de retrouver le livre plus rapidement dans la bibliothèque.</a:t>
+            </a:r>
+          </a:p>
+          <a:p>
+            <a:r>
+              <a:rPr lang="fr-FR" dirty="0"/>
+              <a:t>L’avantage de la base de données c’est que l’on peut avoir le résumé de celui-ci pour aider le lecteur à s’orienter vers tel et </a:t>
+            </a:r>
+            <a:r>
+              <a:rPr lang="fr-FR"/>
+              <a:t>tel ouvrage.</a:t>
+            </a:r>
           </a:p>
         </p:txBody>
       </p:sp>

--- a/Campus Contest 2.pptx
+++ b/Campus Contest 2.pptx
@@ -6429,7 +6429,12 @@
           <a:lstStyle/>
           <a:p>
             <a:r>
-              <a:rPr lang="fr-FR" dirty="0"/>
+              <a:rPr lang="fr-FR" dirty="0">
+                <a:solidFill>
+                  <a:schemeClr val="tx1"/>
+                </a:solidFill>
+                <a:latin typeface="Manga" panose="02000500000000000000" pitchFamily="2" charset="0"/>
+              </a:rPr>
               <a:t>Pour la création du site nous sommes partis d’une Template simple nommé Nguyen.  A partir de celle-ci nous avons intégrés </a:t>
             </a:r>
           </a:p>
